--- a/Documents/PIP4004_Review-2.pptx
+++ b/Documents/PIP4004_Review-2.pptx
@@ -5691,7 +5691,7 @@
           <a:p>
             <a:r>
               <a:rPr lang="en-US" dirty="0"/>
-              <a:t>DASS-21 (details)</a:t>
+              <a:t>DASS-42 (details)</a:t>
             </a:r>
             <a:endParaRPr lang="en-IN" dirty="0"/>
           </a:p>
@@ -6017,7 +6017,7 @@
           <a:p>
             <a:r>
               <a:rPr lang="en-US" dirty="0"/>
-              <a:t>DASS-21 (details)</a:t>
+              <a:t>DASS-42 (details)</a:t>
             </a:r>
             <a:endParaRPr lang="en-IN" dirty="0"/>
           </a:p>
@@ -6344,7 +6344,7 @@
           <a:p>
             <a:r>
               <a:rPr lang="en-US" dirty="0"/>
-              <a:t>DASS-21 (details)</a:t>
+              <a:t>DASS-42 (details)</a:t>
             </a:r>
             <a:endParaRPr lang="en-IN" dirty="0"/>
           </a:p>
@@ -6484,7 +6484,7 @@
           <a:p>
             <a:r>
               <a:rPr lang="en-US" dirty="0"/>
-              <a:t>DASS-21 (details)</a:t>
+              <a:t>DASS-42 (details)</a:t>
             </a:r>
             <a:endParaRPr lang="en-IN" dirty="0"/>
           </a:p>
@@ -6584,7 +6584,7 @@
           <a:p>
             <a:r>
               <a:rPr lang="en-US" dirty="0"/>
-              <a:t>DASS-21 (details)</a:t>
+              <a:t>DASS-42 (details)</a:t>
             </a:r>
             <a:endParaRPr lang="en-IN" dirty="0"/>
           </a:p>
@@ -6684,7 +6684,7 @@
           <a:p>
             <a:r>
               <a:rPr lang="en-US" dirty="0"/>
-              <a:t>DASS-21 (details)</a:t>
+              <a:t>DASS-42 (details)</a:t>
             </a:r>
             <a:endParaRPr lang="en-IN" dirty="0"/>
           </a:p>
@@ -10314,25 +10314,8 @@
                 <a:ea typeface="Cambria" panose="02040503050406030204" pitchFamily="18" charset="0"/>
                 <a:hlinkClick r:id="rId3"/>
               </a:rPr>
-              <a:t>https://github.com/susheeth1/Mental-health-and-well-being-surveillance-assessment-and-tracking-solution-among-children.</a:t>
-            </a:r>
-            <a:endParaRPr lang="en-US" dirty="0">
-              <a:latin typeface="Cambria" panose="02040503050406030204" pitchFamily="18" charset="0"/>
-              <a:ea typeface="Cambria" panose="02040503050406030204" pitchFamily="18" charset="0"/>
-            </a:endParaRPr>
-          </a:p>
-          <a:p>
-            <a:pPr marL="342900" indent="-190500" algn="just">
-              <a:lnSpc>
-                <a:spcPct val="200000"/>
-              </a:lnSpc>
-              <a:spcBef>
-                <a:spcPts val="0"/>
-              </a:spcBef>
-              <a:buSzPct val="100000"/>
-              <a:buFont typeface="Arial"/>
-              <a:buNone/>
-            </a:pPr>
+              <a:t>https://github.com/susheeth1/MindSight</a:t>
+            </a:r>
             <a:endParaRPr lang="en-US" dirty="0">
               <a:latin typeface="Cambria" panose="02040503050406030204" pitchFamily="18" charset="0"/>
               <a:ea typeface="Cambria" panose="02040503050406030204" pitchFamily="18" charset="0"/>
